--- a/CS2100/CS2100 Tutorial 3.pptx
+++ b/CS2100/CS2100 Tutorial 3.pptx
@@ -9,8 +9,8 @@
   </p:notesMasterIdLst>
   <p:sldIdLst>
     <p:sldId id="256" r:id="rId2"/>
-    <p:sldId id="289" r:id="rId3"/>
-    <p:sldId id="309" r:id="rId4"/>
+    <p:sldId id="309" r:id="rId3"/>
+    <p:sldId id="289" r:id="rId4"/>
     <p:sldId id="645" r:id="rId5"/>
     <p:sldId id="290" r:id="rId6"/>
     <p:sldId id="646" r:id="rId7"/>
@@ -571,7 +571,7 @@
           <a:p>
             <a:fld id="{D17C5EEA-D671-4453-97C7-AF6A67BC87D3}" type="slidenum">
               <a:rPr lang="en-US" smtClean="0"/>
-              <a:t>3</a:t>
+              <a:t>2</a:t>
             </a:fld>
             <a:endParaRPr lang="en-US"/>
           </a:p>
@@ -7215,11 +7215,13 @@
         </p:nvSpPr>
         <p:spPr/>
         <p:txBody>
-          <a:bodyPr/>
+          <a:bodyPr>
+            <a:normAutofit/>
+          </a:bodyPr>
           <a:lstStyle/>
           <a:p>
             <a:r>
-              <a:rPr lang="en-US" dirty="0">
+              <a:rPr lang="en-US">
                 <a:latin typeface="AndesNeue Alt 2 Book" panose="00000500000000000000" pitchFamily="2" charset="0"/>
               </a:rPr>
               <a:t>MIPS</a:t>
@@ -7230,11 +7232,37 @@
               </a:rPr>
             </a:br>
             <a:br>
-              <a:rPr lang="en-US" dirty="0">
+              <a:rPr lang="en-US">
                 <a:latin typeface="AndesNeue Alt 2 Book" panose="00000500000000000000" pitchFamily="2" charset="0"/>
               </a:rPr>
             </a:br>
+            <a:r>
+              <a:rPr lang="en-US">
+                <a:solidFill>
+                  <a:srgbClr val="FF0000"/>
+                </a:solidFill>
+                <a:latin typeface="AndesNeue Alt 2 Book" panose="00000500000000000000" pitchFamily="2" charset="0"/>
+              </a:rPr>
+              <a:t>(Take the Reference Sheet in front)</a:t>
+            </a:r>
+          </a:p>
+          <a:p>
+            <a:r>
+              <a:rPr lang="en-US">
+                <a:solidFill>
+                  <a:schemeClr val="bg1">
+                    <a:lumMod val="50000"/>
+                  </a:schemeClr>
+                </a:solidFill>
+              </a:rPr>
+              <a:t>Will start at :05 as usual</a:t>
+            </a:r>
             <a:endParaRPr lang="en-US" dirty="0">
+              <a:solidFill>
+                <a:schemeClr val="bg1">
+                  <a:lumMod val="50000"/>
+                </a:schemeClr>
+              </a:solidFill>
               <a:latin typeface="AndesNeue Alt 2 Book" panose="00000500000000000000" pitchFamily="2" charset="0"/>
             </a:endParaRPr>
           </a:p>
@@ -27875,8 +27903,8 @@
         </p:nvSpPr>
         <p:spPr>
           <a:xfrm>
-            <a:off x="5935981" y="462618"/>
-            <a:ext cx="4983480" cy="830997"/>
+            <a:off x="5398851" y="462618"/>
+            <a:ext cx="5520610" cy="830997"/>
           </a:xfrm>
           <a:prstGeom prst="rect">
             <a:avLst/>
@@ -27895,12 +27923,20 @@
           <a:lstStyle/>
           <a:p>
             <a:r>
+              <a:rPr lang="en-US" sz="1600">
+                <a:latin typeface="Iosevka Extended" panose="02000509030000000004" pitchFamily="49" charset="0"/>
+                <a:ea typeface="Iosevka Extended" panose="02000509030000000004" pitchFamily="49" charset="0"/>
+                <a:cs typeface="Iosevka Extended" panose="02000509030000000004" pitchFamily="49" charset="0"/>
+              </a:rPr>
+              <a:t>      add  </a:t>
+            </a:r>
+            <a:r>
               <a:rPr lang="en-US" sz="1600" dirty="0">
                 <a:latin typeface="Iosevka Extended" panose="02000509030000000004" pitchFamily="49" charset="0"/>
                 <a:ea typeface="Iosevka Extended" panose="02000509030000000004" pitchFamily="49" charset="0"/>
                 <a:cs typeface="Iosevka Extended" panose="02000509030000000004" pitchFamily="49" charset="0"/>
               </a:rPr>
-              <a:t>add  $t1, $s4, $s0 </a:t>
+              <a:t>$t1, $s4, $s0 </a:t>
             </a:r>
             <a:r>
               <a:rPr lang="en-US" sz="1200" dirty="0">
@@ -27946,12 +27982,20 @@
           </a:p>
           <a:p>
             <a:r>
+              <a:rPr lang="en-US" sz="1600">
+                <a:latin typeface="Iosevka Extended" panose="02000509030000000004" pitchFamily="49" charset="0"/>
+                <a:ea typeface="Iosevka Extended" panose="02000509030000000004" pitchFamily="49" charset="0"/>
+                <a:cs typeface="Iosevka Extended" panose="02000509030000000004" pitchFamily="49" charset="0"/>
+              </a:rPr>
+              <a:t>      add  </a:t>
+            </a:r>
+            <a:r>
               <a:rPr lang="en-US" sz="1600" dirty="0">
                 <a:latin typeface="Iosevka Extended" panose="02000509030000000004" pitchFamily="49" charset="0"/>
                 <a:ea typeface="Iosevka Extended" panose="02000509030000000004" pitchFamily="49" charset="0"/>
                 <a:cs typeface="Iosevka Extended" panose="02000509030000000004" pitchFamily="49" charset="0"/>
               </a:rPr>
-              <a:t>add  $t3, $s4, $s1 </a:t>
+              <a:t>$t3, $s4, $s1 </a:t>
             </a:r>
             <a:r>
               <a:rPr lang="en-US" sz="1200" dirty="0">
@@ -27999,6 +28043,17 @@
             </a:r>
           </a:p>
           <a:p>
+            <a:r>
+              <a:rPr lang="en-US" sz="1600">
+                <a:solidFill>
+                  <a:srgbClr val="C00000"/>
+                </a:solidFill>
+                <a:latin typeface="Iosevka Extended" panose="02000509030000000004" pitchFamily="49" charset="0"/>
+                <a:ea typeface="Iosevka Extended" panose="02000509030000000004" pitchFamily="49" charset="0"/>
+                <a:cs typeface="Iosevka Extended" panose="02000509030000000004" pitchFamily="49" charset="0"/>
+              </a:rPr>
+              <a:t>loop: </a:t>
+            </a:r>
             <a:r>
               <a:rPr lang="en-US" sz="1600">
                 <a:latin typeface="Iosevka Extended" panose="02000509030000000004" pitchFamily="49" charset="0"/>
@@ -29694,7 +29749,7 @@
           <p:cNvPr id="2" name="Title 1">
             <a:extLst>
               <a:ext uri="{FF2B5EF4-FFF2-40B4-BE49-F238E27FC236}">
-                <a16:creationId xmlns:a16="http://schemas.microsoft.com/office/drawing/2014/main" id="{0413D88C-FE81-A732-B5B7-2C296FFC40D1}"/>
+                <a16:creationId xmlns:a16="http://schemas.microsoft.com/office/drawing/2014/main" id="{7A49E4EF-520C-01C9-DDB8-651A8BD2CBC5}"/>
               </a:ext>
             </a:extLst>
           </p:cNvPr>
@@ -29711,9 +29766,10 @@
           <a:lstStyle/>
           <a:p>
             <a:r>
-              <a:rPr lang="en-SG" dirty="0"/>
-              <a:t>Overview</a:t>
-            </a:r>
+              <a:rPr lang="en-US" dirty="0"/>
+              <a:t>Admin stuff</a:t>
+            </a:r>
+            <a:endParaRPr lang="en-SG" dirty="0"/>
           </a:p>
         </p:txBody>
       </p:sp>
@@ -29722,7 +29778,7 @@
           <p:cNvPr id="3" name="Content Placeholder 2">
             <a:extLst>
               <a:ext uri="{FF2B5EF4-FFF2-40B4-BE49-F238E27FC236}">
-                <a16:creationId xmlns:a16="http://schemas.microsoft.com/office/drawing/2014/main" id="{9C600E56-604B-1F4E-D3D1-CE0F5EEA4660}"/>
+                <a16:creationId xmlns:a16="http://schemas.microsoft.com/office/drawing/2014/main" id="{EEBBD529-A529-DC3E-B553-C04740C9A983}"/>
               </a:ext>
             </a:extLst>
           </p:cNvPr>
@@ -29733,86 +29789,59 @@
             <p:ph idx="1"/>
           </p:nvPr>
         </p:nvSpPr>
-        <p:spPr>
-          <a:xfrm>
-            <a:off x="838200" y="1825625"/>
-            <a:ext cx="10515600" cy="4667250"/>
-          </a:xfrm>
-        </p:spPr>
+        <p:spPr/>
         <p:txBody>
           <a:bodyPr/>
           <a:lstStyle/>
           <a:p>
-            <a:pPr marL="0" indent="0">
+            <a:r>
+              <a:rPr lang="en-US" dirty="0"/>
+              <a:t>Discussion question: </a:t>
+            </a:r>
+          </a:p>
+          <a:p>
+            <a:pPr lvl="1"/>
+            <a:r>
+              <a:rPr lang="en-US" dirty="0"/>
+              <a:t>do on your own, discuss in Canvas, ask me </a:t>
+            </a:r>
+            <a:r>
+              <a:rPr lang="en-US"/>
+              <a:t>if anything</a:t>
+            </a:r>
+          </a:p>
+          <a:p>
+            <a:pPr marL="457200" lvl="1" indent="0">
               <a:buNone/>
             </a:pPr>
-            <a:r>
-              <a:rPr lang="en-SG" dirty="0"/>
-              <a:t>Q1) C to MIPS translation</a:t>
-            </a:r>
-          </a:p>
-          <a:p>
-            <a:pPr marL="0" indent="0">
-              <a:buNone/>
-            </a:pPr>
-            <a:endParaRPr lang="en-SG" dirty="0"/>
-          </a:p>
-          <a:p>
-            <a:pPr marL="0" indent="0">
-              <a:buNone/>
-            </a:pPr>
-            <a:r>
-              <a:rPr lang="en-SG" dirty="0"/>
-              <a:t>Q2) MIPS instruction encoding</a:t>
-            </a:r>
-          </a:p>
-          <a:p>
-            <a:pPr marL="0" indent="0">
-              <a:buNone/>
-            </a:pPr>
-            <a:endParaRPr lang="en-SG" dirty="0"/>
-          </a:p>
-          <a:p>
-            <a:pPr marL="0" indent="0">
-              <a:buNone/>
-            </a:pPr>
-            <a:r>
-              <a:rPr lang="en-SG" dirty="0"/>
-              <a:t>Q3) Completing MIPS code</a:t>
-            </a:r>
-          </a:p>
-          <a:p>
-            <a:pPr marL="0" indent="0">
-              <a:buNone/>
-            </a:pPr>
-            <a:endParaRPr lang="en-SG" dirty="0"/>
-          </a:p>
-          <a:p>
-            <a:pPr marL="0" indent="0">
-              <a:buNone/>
-            </a:pPr>
-            <a:r>
-              <a:rPr lang="en-SG" dirty="0"/>
-              <a:t>Q4) </a:t>
-            </a:r>
-            <a:r>
-              <a:rPr lang="en-SG"/>
-              <a:t>MIPS Tracing</a:t>
-            </a:r>
-          </a:p>
-          <a:p>
-            <a:pPr marL="0" indent="0">
-              <a:buNone/>
-            </a:pPr>
-            <a:endParaRPr lang="en-SG"/>
-          </a:p>
-          <a:p>
-            <a:pPr marL="0" indent="0">
-              <a:buNone/>
-            </a:pPr>
-            <a:r>
-              <a:rPr lang="en-SG"/>
-              <a:t>Bonus (look on your own): Next steps for C</a:t>
+            <a:endParaRPr lang="en-US" dirty="0"/>
+          </a:p>
+          <a:p>
+            <a:r>
+              <a:rPr lang="en-US" dirty="0"/>
+              <a:t>MIPS Sheet</a:t>
+            </a:r>
+          </a:p>
+          <a:p>
+            <a:pPr lvl="1"/>
+            <a:r>
+              <a:rPr lang="en-US" dirty="0"/>
+              <a:t>take one (</a:t>
+            </a:r>
+            <a:r>
+              <a:rPr lang="en-US"/>
+              <a:t>in-front) if you haven't last week</a:t>
+            </a:r>
+          </a:p>
+          <a:p>
+            <a:pPr lvl="1"/>
+            <a:r>
+              <a:rPr lang="en-US"/>
+              <a:t>would </a:t>
+            </a:r>
+            <a:r>
+              <a:rPr lang="en-US" dirty="0"/>
+              <a:t>be useful until exam time</a:t>
             </a:r>
             <a:endParaRPr lang="en-SG" dirty="0"/>
           </a:p>
@@ -29821,7 +29850,7 @@
     </p:spTree>
     <p:extLst>
       <p:ext uri="{BB962C8B-B14F-4D97-AF65-F5344CB8AC3E}">
-        <p14:creationId xmlns:p14="http://schemas.microsoft.com/office/powerpoint/2010/main" val="2929059075"/>
+        <p14:creationId xmlns:p14="http://schemas.microsoft.com/office/powerpoint/2010/main" val="2093288758"/>
       </p:ext>
     </p:extLst>
   </p:cSld>
@@ -34919,7 +34948,7 @@
           <p:cNvPr id="2" name="Title 1">
             <a:extLst>
               <a:ext uri="{FF2B5EF4-FFF2-40B4-BE49-F238E27FC236}">
-                <a16:creationId xmlns:a16="http://schemas.microsoft.com/office/drawing/2014/main" id="{7A49E4EF-520C-01C9-DDB8-651A8BD2CBC5}"/>
+                <a16:creationId xmlns:a16="http://schemas.microsoft.com/office/drawing/2014/main" id="{0413D88C-FE81-A732-B5B7-2C296FFC40D1}"/>
               </a:ext>
             </a:extLst>
           </p:cNvPr>
@@ -34936,10 +34965,9 @@
           <a:lstStyle/>
           <a:p>
             <a:r>
-              <a:rPr lang="en-US" dirty="0"/>
-              <a:t>Admin stuff</a:t>
-            </a:r>
-            <a:endParaRPr lang="en-SG" dirty="0"/>
+              <a:rPr lang="en-SG" dirty="0"/>
+              <a:t>Overview</a:t>
+            </a:r>
           </a:p>
         </p:txBody>
       </p:sp>
@@ -34948,7 +34976,7 @@
           <p:cNvPr id="3" name="Content Placeholder 2">
             <a:extLst>
               <a:ext uri="{FF2B5EF4-FFF2-40B4-BE49-F238E27FC236}">
-                <a16:creationId xmlns:a16="http://schemas.microsoft.com/office/drawing/2014/main" id="{EEBBD529-A529-DC3E-B553-C04740C9A983}"/>
+                <a16:creationId xmlns:a16="http://schemas.microsoft.com/office/drawing/2014/main" id="{9C600E56-604B-1F4E-D3D1-CE0F5EEA4660}"/>
               </a:ext>
             </a:extLst>
           </p:cNvPr>
@@ -34959,59 +34987,67 @@
             <p:ph idx="1"/>
           </p:nvPr>
         </p:nvSpPr>
-        <p:spPr/>
+        <p:spPr>
+          <a:xfrm>
+            <a:off x="838200" y="1825625"/>
+            <a:ext cx="10515600" cy="4667250"/>
+          </a:xfrm>
+        </p:spPr>
         <p:txBody>
           <a:bodyPr/>
           <a:lstStyle/>
           <a:p>
-            <a:r>
-              <a:rPr lang="en-US" dirty="0"/>
-              <a:t>Discussion question: </a:t>
-            </a:r>
-          </a:p>
-          <a:p>
-            <a:pPr lvl="1"/>
-            <a:r>
-              <a:rPr lang="en-US" dirty="0"/>
-              <a:t>do on your own, discuss in Canvas, ask me </a:t>
-            </a:r>
-            <a:r>
-              <a:rPr lang="en-US"/>
-              <a:t>if anything</a:t>
-            </a:r>
-          </a:p>
-          <a:p>
-            <a:pPr marL="457200" lvl="1" indent="0">
+            <a:pPr marL="0" indent="0">
               <a:buNone/>
             </a:pPr>
-            <a:endParaRPr lang="en-US" dirty="0"/>
-          </a:p>
-          <a:p>
-            <a:r>
-              <a:rPr lang="en-US" dirty="0"/>
-              <a:t>MIPS Sheet</a:t>
-            </a:r>
-          </a:p>
-          <a:p>
-            <a:pPr lvl="1"/>
-            <a:r>
-              <a:rPr lang="en-US" dirty="0"/>
-              <a:t>take one (</a:t>
-            </a:r>
-            <a:r>
-              <a:rPr lang="en-US"/>
-              <a:t>in-front) if you haven't last week</a:t>
-            </a:r>
-          </a:p>
-          <a:p>
-            <a:pPr lvl="1"/>
-            <a:r>
-              <a:rPr lang="en-US"/>
-              <a:t>would </a:t>
-            </a:r>
-            <a:r>
-              <a:rPr lang="en-US" dirty="0"/>
-              <a:t>be useful until exam time</a:t>
+            <a:r>
+              <a:rPr lang="en-SG" dirty="0"/>
+              <a:t>Q1) C to MIPS translation</a:t>
+            </a:r>
+          </a:p>
+          <a:p>
+            <a:pPr marL="0" indent="0">
+              <a:buNone/>
+            </a:pPr>
+            <a:endParaRPr lang="en-SG" dirty="0"/>
+          </a:p>
+          <a:p>
+            <a:pPr marL="0" indent="0">
+              <a:buNone/>
+            </a:pPr>
+            <a:r>
+              <a:rPr lang="en-SG" dirty="0"/>
+              <a:t>Q2) MIPS instruction encoding</a:t>
+            </a:r>
+          </a:p>
+          <a:p>
+            <a:pPr marL="0" indent="0">
+              <a:buNone/>
+            </a:pPr>
+            <a:endParaRPr lang="en-SG" dirty="0"/>
+          </a:p>
+          <a:p>
+            <a:pPr marL="0" indent="0">
+              <a:buNone/>
+            </a:pPr>
+            <a:r>
+              <a:rPr lang="en-SG" dirty="0"/>
+              <a:t>Q3) Completing MIPS code</a:t>
+            </a:r>
+          </a:p>
+          <a:p>
+            <a:pPr marL="0" indent="0">
+              <a:buNone/>
+            </a:pPr>
+            <a:endParaRPr lang="en-SG"/>
+          </a:p>
+          <a:p>
+            <a:pPr marL="0" indent="0">
+              <a:buNone/>
+            </a:pPr>
+            <a:r>
+              <a:rPr lang="en-SG"/>
+              <a:t>Bonus (look on your own): Next steps for C</a:t>
             </a:r>
             <a:endParaRPr lang="en-SG" dirty="0"/>
           </a:p>
@@ -35020,7 +35056,7 @@
     </p:spTree>
     <p:extLst>
       <p:ext uri="{BB962C8B-B14F-4D97-AF65-F5344CB8AC3E}">
-        <p14:creationId xmlns:p14="http://schemas.microsoft.com/office/powerpoint/2010/main" val="2093288758"/>
+        <p14:creationId xmlns:p14="http://schemas.microsoft.com/office/powerpoint/2010/main" val="2929059075"/>
       </p:ext>
     </p:extLst>
   </p:cSld>
@@ -38806,7 +38842,7 @@
                 <a:ea typeface="Iosevka Extended" panose="02000509030000000004" pitchFamily="49" charset="0"/>
                 <a:cs typeface="Iosevka Extended" panose="02000509030000000004" pitchFamily="49" charset="0"/>
               </a:rPr>
-              <a:t>000001000000000000000010</a:t>
+              <a:t>00000100000000000000001011</a:t>
             </a:r>
           </a:p>
           <a:p>
